--- a/Volcano_data/results.pptx
+++ b/Volcano_data/results.pptx
@@ -104,6 +104,11 @@
       </a:defRPr>
     </a:lvl9pPr>
   </p:defaultTextStyle>
+  <p:extLst>
+    <p:ext uri="{EFAFB233-063F-42B5-8137-9DF3F51BA10A}">
+      <p15:sldGuideLst xmlns:p15="http://schemas.microsoft.com/office/powerpoint/2012/main"/>
+    </p:ext>
+  </p:extLst>
 </p:presentation>
 </file>
 

--- a/Volcano_data/results.pptx
+++ b/Volcano_data/results.pptx
@@ -6,6 +6,7 @@
   </p:sldMasterIdLst>
   <p:sldIdLst>
     <p:sldId id="256" r:id="rId2"/>
+    <p:sldId id="257" r:id="rId3"/>
   </p:sldIdLst>
   <p:sldSz cx="12192000" cy="6858000"/>
   <p:notesSz cx="6858000" cy="9144000"/>
@@ -259,7 +260,7 @@
           <a:p>
             <a:fld id="{8323F2F8-334F-41FA-B109-27A2645A2A69}" type="datetimeFigureOut">
               <a:rPr lang="en-US" smtClean="0"/>
-              <a:t>3/7/2024</a:t>
+              <a:t>4/5/2024</a:t>
             </a:fld>
             <a:endParaRPr lang="en-US"/>
           </a:p>
@@ -457,7 +458,7 @@
           <a:p>
             <a:fld id="{8323F2F8-334F-41FA-B109-27A2645A2A69}" type="datetimeFigureOut">
               <a:rPr lang="en-US" smtClean="0"/>
-              <a:t>3/7/2024</a:t>
+              <a:t>4/5/2024</a:t>
             </a:fld>
             <a:endParaRPr lang="en-US"/>
           </a:p>
@@ -665,7 +666,7 @@
           <a:p>
             <a:fld id="{8323F2F8-334F-41FA-B109-27A2645A2A69}" type="datetimeFigureOut">
               <a:rPr lang="en-US" smtClean="0"/>
-              <a:t>3/7/2024</a:t>
+              <a:t>4/5/2024</a:t>
             </a:fld>
             <a:endParaRPr lang="en-US"/>
           </a:p>
@@ -863,7 +864,7 @@
           <a:p>
             <a:fld id="{8323F2F8-334F-41FA-B109-27A2645A2A69}" type="datetimeFigureOut">
               <a:rPr lang="en-US" smtClean="0"/>
-              <a:t>3/7/2024</a:t>
+              <a:t>4/5/2024</a:t>
             </a:fld>
             <a:endParaRPr lang="en-US"/>
           </a:p>
@@ -1138,7 +1139,7 @@
           <a:p>
             <a:fld id="{8323F2F8-334F-41FA-B109-27A2645A2A69}" type="datetimeFigureOut">
               <a:rPr lang="en-US" smtClean="0"/>
-              <a:t>3/7/2024</a:t>
+              <a:t>4/5/2024</a:t>
             </a:fld>
             <a:endParaRPr lang="en-US"/>
           </a:p>
@@ -1403,7 +1404,7 @@
           <a:p>
             <a:fld id="{8323F2F8-334F-41FA-B109-27A2645A2A69}" type="datetimeFigureOut">
               <a:rPr lang="en-US" smtClean="0"/>
-              <a:t>3/7/2024</a:t>
+              <a:t>4/5/2024</a:t>
             </a:fld>
             <a:endParaRPr lang="en-US"/>
           </a:p>
@@ -1815,7 +1816,7 @@
           <a:p>
             <a:fld id="{8323F2F8-334F-41FA-B109-27A2645A2A69}" type="datetimeFigureOut">
               <a:rPr lang="en-US" smtClean="0"/>
-              <a:t>3/7/2024</a:t>
+              <a:t>4/5/2024</a:t>
             </a:fld>
             <a:endParaRPr lang="en-US"/>
           </a:p>
@@ -1956,7 +1957,7 @@
           <a:p>
             <a:fld id="{8323F2F8-334F-41FA-B109-27A2645A2A69}" type="datetimeFigureOut">
               <a:rPr lang="en-US" smtClean="0"/>
-              <a:t>3/7/2024</a:t>
+              <a:t>4/5/2024</a:t>
             </a:fld>
             <a:endParaRPr lang="en-US"/>
           </a:p>
@@ -2069,7 +2070,7 @@
           <a:p>
             <a:fld id="{8323F2F8-334F-41FA-B109-27A2645A2A69}" type="datetimeFigureOut">
               <a:rPr lang="en-US" smtClean="0"/>
-              <a:t>3/7/2024</a:t>
+              <a:t>4/5/2024</a:t>
             </a:fld>
             <a:endParaRPr lang="en-US"/>
           </a:p>
@@ -2380,7 +2381,7 @@
           <a:p>
             <a:fld id="{8323F2F8-334F-41FA-B109-27A2645A2A69}" type="datetimeFigureOut">
               <a:rPr lang="en-US" smtClean="0"/>
-              <a:t>3/7/2024</a:t>
+              <a:t>4/5/2024</a:t>
             </a:fld>
             <a:endParaRPr lang="en-US"/>
           </a:p>
@@ -2668,7 +2669,7 @@
           <a:p>
             <a:fld id="{8323F2F8-334F-41FA-B109-27A2645A2A69}" type="datetimeFigureOut">
               <a:rPr lang="en-US" smtClean="0"/>
-              <a:t>3/7/2024</a:t>
+              <a:t>4/5/2024</a:t>
             </a:fld>
             <a:endParaRPr lang="en-US"/>
           </a:p>
@@ -2909,7 +2910,7 @@
           <a:p>
             <a:fld id="{8323F2F8-334F-41FA-B109-27A2645A2A69}" type="datetimeFigureOut">
               <a:rPr lang="en-US" smtClean="0"/>
-              <a:t>3/7/2024</a:t>
+              <a:t>4/5/2024</a:t>
             </a:fld>
             <a:endParaRPr lang="en-US"/>
           </a:p>
@@ -4073,6 +4074,771 @@
 </p:sld>
 </file>
 
+<file path=ppt/slides/slide2.xml><?xml version="1.0" encoding="utf-8"?>
+<p:sld xmlns:a="http://schemas.openxmlformats.org/drawingml/2006/main" xmlns:r="http://schemas.openxmlformats.org/officeDocument/2006/relationships" xmlns:p="http://schemas.openxmlformats.org/presentationml/2006/main">
+  <p:cSld>
+    <p:spTree>
+      <p:nvGrpSpPr>
+        <p:cNvPr id="1" name=""/>
+        <p:cNvGrpSpPr/>
+        <p:nvPr/>
+      </p:nvGrpSpPr>
+      <p:grpSpPr>
+        <a:xfrm>
+          <a:off x="0" y="0"/>
+          <a:ext cx="0" cy="0"/>
+          <a:chOff x="0" y="0"/>
+          <a:chExt cx="0" cy="0"/>
+        </a:xfrm>
+      </p:grpSpPr>
+      <p:grpSp>
+        <p:nvGrpSpPr>
+          <p:cNvPr id="54" name="Group 53">
+            <a:extLst>
+              <a:ext uri="{FF2B5EF4-FFF2-40B4-BE49-F238E27FC236}">
+                <a16:creationId xmlns:a16="http://schemas.microsoft.com/office/drawing/2014/main" id="{C0DBB61C-82EF-4CD2-8744-120E2F7F1E41}"/>
+              </a:ext>
+            </a:extLst>
+          </p:cNvPr>
+          <p:cNvGrpSpPr/>
+          <p:nvPr/>
+        </p:nvGrpSpPr>
+        <p:grpSpPr>
+          <a:xfrm>
+            <a:off x="4325231" y="1166960"/>
+            <a:ext cx="3541538" cy="4524079"/>
+            <a:chOff x="2022613" y="330436"/>
+            <a:chExt cx="3541538" cy="4524079"/>
+          </a:xfrm>
+        </p:grpSpPr>
+        <p:sp>
+          <p:nvSpPr>
+            <p:cNvPr id="4" name="Rectangle: Rounded Corners 3">
+              <a:extLst>
+                <a:ext uri="{FF2B5EF4-FFF2-40B4-BE49-F238E27FC236}">
+                  <a16:creationId xmlns:a16="http://schemas.microsoft.com/office/drawing/2014/main" id="{8828E385-C31A-4201-A380-987589A3AF6D}"/>
+                </a:ext>
+              </a:extLst>
+            </p:cNvPr>
+            <p:cNvSpPr/>
+            <p:nvPr/>
+          </p:nvSpPr>
+          <p:spPr>
+            <a:xfrm>
+              <a:off x="2022613" y="330436"/>
+              <a:ext cx="3541538" cy="590550"/>
+            </a:xfrm>
+            <a:prstGeom prst="roundRect">
+              <a:avLst/>
+            </a:prstGeom>
+          </p:spPr>
+          <p:style>
+            <a:lnRef idx="2">
+              <a:schemeClr val="accent1">
+                <a:shade val="50000"/>
+              </a:schemeClr>
+            </a:lnRef>
+            <a:fillRef idx="1">
+              <a:schemeClr val="accent1"/>
+            </a:fillRef>
+            <a:effectRef idx="0">
+              <a:schemeClr val="accent1"/>
+            </a:effectRef>
+            <a:fontRef idx="minor">
+              <a:schemeClr val="lt1"/>
+            </a:fontRef>
+          </p:style>
+          <p:txBody>
+            <a:bodyPr rot="0" spcFirstLastPara="0" vert="horz" wrap="square" lIns="91440" tIns="45720" rIns="91440" bIns="45720" numCol="1" spcCol="0" rtlCol="0" fromWordArt="0" anchor="ctr" anchorCtr="0" forceAA="0" compatLnSpc="1">
+              <a:prstTxWarp prst="textNoShape">
+                <a:avLst/>
+              </a:prstTxWarp>
+              <a:noAutofit/>
+            </a:bodyPr>
+            <a:lstStyle/>
+            <a:p>
+              <a:pPr marL="0" marR="0" algn="ctr">
+                <a:lnSpc>
+                  <a:spcPct val="107000"/>
+                </a:lnSpc>
+                <a:spcBef>
+                  <a:spcPts val="0"/>
+                </a:spcBef>
+                <a:spcAft>
+                  <a:spcPts val="0"/>
+                </a:spcAft>
+              </a:pPr>
+              <a:r>
+                <a:rPr lang="en-US" sz="1100" dirty="0">
+                  <a:effectLst/>
+                  <a:ea typeface="Calibri" panose="020F0502020204030204" pitchFamily="34" charset="0"/>
+                  <a:cs typeface="Times New Roman" panose="02020603050405020304" pitchFamily="18" charset="0"/>
+                </a:rPr>
+                <a:t>Implants – OM, </a:t>
+              </a:r>
+              <a:r>
+                <a:rPr lang="en-US" sz="1100" dirty="0" err="1">
+                  <a:effectLst/>
+                  <a:ea typeface="Calibri" panose="020F0502020204030204" pitchFamily="34" charset="0"/>
+                  <a:cs typeface="Times New Roman" panose="02020603050405020304" pitchFamily="18" charset="0"/>
+                </a:rPr>
+                <a:t>mSLA</a:t>
+              </a:r>
+              <a:r>
+                <a:rPr lang="en-US" sz="1100" dirty="0">
+                  <a:effectLst/>
+                  <a:ea typeface="Calibri" panose="020F0502020204030204" pitchFamily="34" charset="0"/>
+                  <a:cs typeface="Times New Roman" panose="02020603050405020304" pitchFamily="18" charset="0"/>
+                </a:rPr>
+                <a:t>, PT, TCPS, Titan and BMP2 (control)</a:t>
+              </a:r>
+            </a:p>
+          </p:txBody>
+        </p:sp>
+        <p:sp>
+          <p:nvSpPr>
+            <p:cNvPr id="5" name="Rectangle: Rounded Corners 4">
+              <a:extLst>
+                <a:ext uri="{FF2B5EF4-FFF2-40B4-BE49-F238E27FC236}">
+                  <a16:creationId xmlns:a16="http://schemas.microsoft.com/office/drawing/2014/main" id="{EF7C50FE-B018-4495-85A4-2544C59A93AA}"/>
+                </a:ext>
+              </a:extLst>
+            </p:cNvPr>
+            <p:cNvSpPr/>
+            <p:nvPr/>
+          </p:nvSpPr>
+          <p:spPr>
+            <a:xfrm>
+              <a:off x="2636509" y="1310684"/>
+              <a:ext cx="2313746" cy="590550"/>
+            </a:xfrm>
+            <a:prstGeom prst="roundRect">
+              <a:avLst/>
+            </a:prstGeom>
+          </p:spPr>
+          <p:style>
+            <a:lnRef idx="2">
+              <a:schemeClr val="accent1">
+                <a:shade val="50000"/>
+              </a:schemeClr>
+            </a:lnRef>
+            <a:fillRef idx="1">
+              <a:schemeClr val="accent1"/>
+            </a:fillRef>
+            <a:effectRef idx="0">
+              <a:schemeClr val="accent1"/>
+            </a:effectRef>
+            <a:fontRef idx="minor">
+              <a:schemeClr val="lt1"/>
+            </a:fontRef>
+          </p:style>
+          <p:txBody>
+            <a:bodyPr rot="0" spcFirstLastPara="0" vert="horz" wrap="square" lIns="91440" tIns="45720" rIns="91440" bIns="45720" numCol="1" spcCol="0" rtlCol="0" fromWordArt="0" anchor="ctr" anchorCtr="0" forceAA="0" compatLnSpc="1">
+              <a:prstTxWarp prst="textNoShape">
+                <a:avLst/>
+              </a:prstTxWarp>
+              <a:noAutofit/>
+            </a:bodyPr>
+            <a:lstStyle/>
+            <a:p>
+              <a:pPr marL="0" marR="0" algn="ctr">
+                <a:lnSpc>
+                  <a:spcPct val="107000"/>
+                </a:lnSpc>
+                <a:spcBef>
+                  <a:spcPts val="0"/>
+                </a:spcBef>
+                <a:spcAft>
+                  <a:spcPts val="0"/>
+                </a:spcAft>
+              </a:pPr>
+              <a:r>
+                <a:rPr lang="en-US" sz="1100" dirty="0">
+                  <a:effectLst/>
+                  <a:ea typeface="Calibri" panose="020F0502020204030204" pitchFamily="34" charset="0"/>
+                  <a:cs typeface="Times New Roman" panose="02020603050405020304" pitchFamily="18" charset="0"/>
+                </a:rPr>
+                <a:t>Differential gene expression analysis </a:t>
+              </a:r>
+            </a:p>
+            <a:p>
+              <a:pPr marL="0" marR="0" algn="ctr">
+                <a:lnSpc>
+                  <a:spcPct val="107000"/>
+                </a:lnSpc>
+                <a:spcBef>
+                  <a:spcPts val="0"/>
+                </a:spcBef>
+                <a:spcAft>
+                  <a:spcPts val="0"/>
+                </a:spcAft>
+              </a:pPr>
+              <a:r>
+                <a:rPr lang="en-US" sz="1100" dirty="0">
+                  <a:effectLst/>
+                  <a:ea typeface="Calibri" panose="020F0502020204030204" pitchFamily="34" charset="0"/>
+                  <a:cs typeface="Times New Roman" panose="02020603050405020304" pitchFamily="18" charset="0"/>
+                </a:rPr>
+                <a:t># genes ~23,000</a:t>
+              </a:r>
+            </a:p>
+          </p:txBody>
+        </p:sp>
+        <p:sp>
+          <p:nvSpPr>
+            <p:cNvPr id="7" name="Rectangle: Rounded Corners 6">
+              <a:extLst>
+                <a:ext uri="{FF2B5EF4-FFF2-40B4-BE49-F238E27FC236}">
+                  <a16:creationId xmlns:a16="http://schemas.microsoft.com/office/drawing/2014/main" id="{26071D38-7D70-4243-A17D-6F0E2620E2CF}"/>
+                </a:ext>
+              </a:extLst>
+            </p:cNvPr>
+            <p:cNvSpPr/>
+            <p:nvPr/>
+          </p:nvSpPr>
+          <p:spPr>
+            <a:xfrm>
+              <a:off x="2985104" y="2295111"/>
+              <a:ext cx="1616557" cy="590550"/>
+            </a:xfrm>
+            <a:prstGeom prst="roundRect">
+              <a:avLst/>
+            </a:prstGeom>
+          </p:spPr>
+          <p:style>
+            <a:lnRef idx="2">
+              <a:schemeClr val="accent1">
+                <a:shade val="50000"/>
+              </a:schemeClr>
+            </a:lnRef>
+            <a:fillRef idx="1">
+              <a:schemeClr val="accent1"/>
+            </a:fillRef>
+            <a:effectRef idx="0">
+              <a:schemeClr val="accent1"/>
+            </a:effectRef>
+            <a:fontRef idx="minor">
+              <a:schemeClr val="lt1"/>
+            </a:fontRef>
+          </p:style>
+          <p:txBody>
+            <a:bodyPr rot="0" spcFirstLastPara="0" vert="horz" wrap="square" lIns="91440" tIns="45720" rIns="91440" bIns="45720" numCol="1" spcCol="0" rtlCol="0" fromWordArt="0" anchor="ctr" anchorCtr="0" forceAA="0" compatLnSpc="1">
+              <a:prstTxWarp prst="textNoShape">
+                <a:avLst/>
+              </a:prstTxWarp>
+              <a:noAutofit/>
+            </a:bodyPr>
+            <a:lstStyle/>
+            <a:p>
+              <a:pPr marL="0" marR="0" algn="ctr">
+                <a:lnSpc>
+                  <a:spcPct val="107000"/>
+                </a:lnSpc>
+                <a:spcBef>
+                  <a:spcPts val="0"/>
+                </a:spcBef>
+                <a:spcAft>
+                  <a:spcPts val="0"/>
+                </a:spcAft>
+              </a:pPr>
+              <a:r>
+                <a:rPr lang="en-US" sz="1100" dirty="0">
+                  <a:effectLst/>
+                  <a:ea typeface="Calibri" panose="020F0502020204030204" pitchFamily="34" charset="0"/>
+                  <a:cs typeface="Times New Roman" panose="02020603050405020304" pitchFamily="18" charset="0"/>
+                </a:rPr>
+                <a:t>Filtered raw count data</a:t>
+              </a:r>
+            </a:p>
+          </p:txBody>
+        </p:sp>
+        <p:sp>
+          <p:nvSpPr>
+            <p:cNvPr id="8" name="Rectangle: Rounded Corners 7">
+              <a:extLst>
+                <a:ext uri="{FF2B5EF4-FFF2-40B4-BE49-F238E27FC236}">
+                  <a16:creationId xmlns:a16="http://schemas.microsoft.com/office/drawing/2014/main" id="{5DA6F553-B5AB-4F36-94C0-8E5411FD6C5A}"/>
+                </a:ext>
+              </a:extLst>
+            </p:cNvPr>
+            <p:cNvSpPr/>
+            <p:nvPr/>
+          </p:nvSpPr>
+          <p:spPr>
+            <a:xfrm>
+              <a:off x="2739110" y="3279538"/>
+              <a:ext cx="2108544" cy="590550"/>
+            </a:xfrm>
+            <a:prstGeom prst="roundRect">
+              <a:avLst/>
+            </a:prstGeom>
+          </p:spPr>
+          <p:style>
+            <a:lnRef idx="2">
+              <a:schemeClr val="accent1">
+                <a:shade val="50000"/>
+              </a:schemeClr>
+            </a:lnRef>
+            <a:fillRef idx="1">
+              <a:schemeClr val="accent1"/>
+            </a:fillRef>
+            <a:effectRef idx="0">
+              <a:schemeClr val="accent1"/>
+            </a:effectRef>
+            <a:fontRef idx="minor">
+              <a:schemeClr val="lt1"/>
+            </a:fontRef>
+          </p:style>
+          <p:txBody>
+            <a:bodyPr rot="0" spcFirstLastPara="0" vert="horz" wrap="square" lIns="91440" tIns="45720" rIns="91440" bIns="45720" numCol="1" spcCol="0" rtlCol="0" fromWordArt="0" anchor="ctr" anchorCtr="0" forceAA="0" compatLnSpc="1">
+              <a:prstTxWarp prst="textNoShape">
+                <a:avLst/>
+              </a:prstTxWarp>
+              <a:noAutofit/>
+            </a:bodyPr>
+            <a:lstStyle/>
+            <a:p>
+              <a:pPr marL="0" marR="0" algn="ctr">
+                <a:lnSpc>
+                  <a:spcPct val="107000"/>
+                </a:lnSpc>
+                <a:spcBef>
+                  <a:spcPts val="0"/>
+                </a:spcBef>
+                <a:spcAft>
+                  <a:spcPts val="0"/>
+                </a:spcAft>
+              </a:pPr>
+              <a:r>
+                <a:rPr lang="en-US" sz="1100" dirty="0">
+                  <a:effectLst/>
+                  <a:ea typeface="Calibri" panose="020F0502020204030204" pitchFamily="34" charset="0"/>
+                  <a:cs typeface="Times New Roman" panose="02020603050405020304" pitchFamily="18" charset="0"/>
+                </a:rPr>
+                <a:t>Regulatory network generation </a:t>
+              </a:r>
+            </a:p>
+          </p:txBody>
+        </p:sp>
+        <p:sp>
+          <p:nvSpPr>
+            <p:cNvPr id="9" name="Rectangle: Rounded Corners 8">
+              <a:extLst>
+                <a:ext uri="{FF2B5EF4-FFF2-40B4-BE49-F238E27FC236}">
+                  <a16:creationId xmlns:a16="http://schemas.microsoft.com/office/drawing/2014/main" id="{B759B5C5-906F-4AAB-8EA4-A7152904CD81}"/>
+                </a:ext>
+              </a:extLst>
+            </p:cNvPr>
+            <p:cNvSpPr/>
+            <p:nvPr/>
+          </p:nvSpPr>
+          <p:spPr>
+            <a:xfrm>
+              <a:off x="2843471" y="4263965"/>
+              <a:ext cx="1899822" cy="590550"/>
+            </a:xfrm>
+            <a:prstGeom prst="roundRect">
+              <a:avLst/>
+            </a:prstGeom>
+          </p:spPr>
+          <p:style>
+            <a:lnRef idx="2">
+              <a:schemeClr val="accent1">
+                <a:shade val="50000"/>
+              </a:schemeClr>
+            </a:lnRef>
+            <a:fillRef idx="1">
+              <a:schemeClr val="accent1"/>
+            </a:fillRef>
+            <a:effectRef idx="0">
+              <a:schemeClr val="accent1"/>
+            </a:effectRef>
+            <a:fontRef idx="minor">
+              <a:schemeClr val="lt1"/>
+            </a:fontRef>
+          </p:style>
+          <p:txBody>
+            <a:bodyPr rot="0" spcFirstLastPara="0" vert="horz" wrap="square" lIns="91440" tIns="45720" rIns="91440" bIns="45720" numCol="1" spcCol="0" rtlCol="0" fromWordArt="0" anchor="ctr" anchorCtr="0" forceAA="0" compatLnSpc="1">
+              <a:prstTxWarp prst="textNoShape">
+                <a:avLst/>
+              </a:prstTxWarp>
+              <a:noAutofit/>
+            </a:bodyPr>
+            <a:lstStyle/>
+            <a:p>
+              <a:pPr marL="0" marR="0" algn="ctr">
+                <a:lnSpc>
+                  <a:spcPct val="107000"/>
+                </a:lnSpc>
+                <a:spcBef>
+                  <a:spcPts val="0"/>
+                </a:spcBef>
+                <a:spcAft>
+                  <a:spcPts val="0"/>
+                </a:spcAft>
+              </a:pPr>
+              <a:r>
+                <a:rPr lang="en-US" sz="1100" dirty="0">
+                  <a:effectLst/>
+                  <a:ea typeface="Calibri" panose="020F0502020204030204" pitchFamily="34" charset="0"/>
+                  <a:cs typeface="Times New Roman" panose="02020603050405020304" pitchFamily="18" charset="0"/>
+                </a:rPr>
+                <a:t>Pathway enrichment analysis</a:t>
+              </a:r>
+            </a:p>
+          </p:txBody>
+        </p:sp>
+        <p:cxnSp>
+          <p:nvCxnSpPr>
+            <p:cNvPr id="12" name="Straight Arrow Connector 11">
+              <a:extLst>
+                <a:ext uri="{FF2B5EF4-FFF2-40B4-BE49-F238E27FC236}">
+                  <a16:creationId xmlns:a16="http://schemas.microsoft.com/office/drawing/2014/main" id="{A1C62D04-1278-4144-827D-205A9F8995E0}"/>
+                </a:ext>
+              </a:extLst>
+            </p:cNvPr>
+            <p:cNvCxnSpPr>
+              <a:cxnSpLocks/>
+              <a:stCxn id="4" idx="2"/>
+              <a:endCxn id="5" idx="0"/>
+            </p:cNvCxnSpPr>
+            <p:nvPr/>
+          </p:nvCxnSpPr>
+          <p:spPr>
+            <a:xfrm>
+              <a:off x="3793382" y="920986"/>
+              <a:ext cx="0" cy="389698"/>
+            </a:xfrm>
+            <a:prstGeom prst="straightConnector1">
+              <a:avLst/>
+            </a:prstGeom>
+            <a:ln>
+              <a:tailEnd type="triangle"/>
+            </a:ln>
+          </p:spPr>
+          <p:style>
+            <a:lnRef idx="1">
+              <a:schemeClr val="accent1"/>
+            </a:lnRef>
+            <a:fillRef idx="0">
+              <a:schemeClr val="accent1"/>
+            </a:fillRef>
+            <a:effectRef idx="0">
+              <a:schemeClr val="accent1"/>
+            </a:effectRef>
+            <a:fontRef idx="minor">
+              <a:schemeClr val="tx1"/>
+            </a:fontRef>
+          </p:style>
+        </p:cxnSp>
+        <p:cxnSp>
+          <p:nvCxnSpPr>
+            <p:cNvPr id="13" name="Straight Arrow Connector 12">
+              <a:extLst>
+                <a:ext uri="{FF2B5EF4-FFF2-40B4-BE49-F238E27FC236}">
+                  <a16:creationId xmlns:a16="http://schemas.microsoft.com/office/drawing/2014/main" id="{2FAB543A-F536-478C-9402-90DAC4F00F13}"/>
+                </a:ext>
+              </a:extLst>
+            </p:cNvPr>
+            <p:cNvCxnSpPr>
+              <a:cxnSpLocks/>
+              <a:stCxn id="5" idx="2"/>
+              <a:endCxn id="7" idx="0"/>
+            </p:cNvCxnSpPr>
+            <p:nvPr/>
+          </p:nvCxnSpPr>
+          <p:spPr>
+            <a:xfrm>
+              <a:off x="3793382" y="1901234"/>
+              <a:ext cx="1" cy="393877"/>
+            </a:xfrm>
+            <a:prstGeom prst="straightConnector1">
+              <a:avLst/>
+            </a:prstGeom>
+            <a:ln>
+              <a:tailEnd type="triangle"/>
+            </a:ln>
+          </p:spPr>
+          <p:style>
+            <a:lnRef idx="1">
+              <a:schemeClr val="accent1"/>
+            </a:lnRef>
+            <a:fillRef idx="0">
+              <a:schemeClr val="accent1"/>
+            </a:fillRef>
+            <a:effectRef idx="0">
+              <a:schemeClr val="accent1"/>
+            </a:effectRef>
+            <a:fontRef idx="minor">
+              <a:schemeClr val="tx1"/>
+            </a:fontRef>
+          </p:style>
+        </p:cxnSp>
+        <p:cxnSp>
+          <p:nvCxnSpPr>
+            <p:cNvPr id="16" name="Straight Arrow Connector 15">
+              <a:extLst>
+                <a:ext uri="{FF2B5EF4-FFF2-40B4-BE49-F238E27FC236}">
+                  <a16:creationId xmlns:a16="http://schemas.microsoft.com/office/drawing/2014/main" id="{060A0C5E-DA6E-4422-8CF0-45B048275938}"/>
+                </a:ext>
+              </a:extLst>
+            </p:cNvPr>
+            <p:cNvCxnSpPr>
+              <a:cxnSpLocks/>
+              <a:stCxn id="7" idx="2"/>
+              <a:endCxn id="8" idx="0"/>
+            </p:cNvCxnSpPr>
+            <p:nvPr/>
+          </p:nvCxnSpPr>
+          <p:spPr>
+            <a:xfrm flipH="1">
+              <a:off x="3793382" y="2885661"/>
+              <a:ext cx="1" cy="393877"/>
+            </a:xfrm>
+            <a:prstGeom prst="straightConnector1">
+              <a:avLst/>
+            </a:prstGeom>
+            <a:ln>
+              <a:tailEnd type="triangle"/>
+            </a:ln>
+          </p:spPr>
+          <p:style>
+            <a:lnRef idx="1">
+              <a:schemeClr val="accent1"/>
+            </a:lnRef>
+            <a:fillRef idx="0">
+              <a:schemeClr val="accent1"/>
+            </a:fillRef>
+            <a:effectRef idx="0">
+              <a:schemeClr val="accent1"/>
+            </a:effectRef>
+            <a:fontRef idx="minor">
+              <a:schemeClr val="tx1"/>
+            </a:fontRef>
+          </p:style>
+        </p:cxnSp>
+        <p:cxnSp>
+          <p:nvCxnSpPr>
+            <p:cNvPr id="19" name="Straight Arrow Connector 18">
+              <a:extLst>
+                <a:ext uri="{FF2B5EF4-FFF2-40B4-BE49-F238E27FC236}">
+                  <a16:creationId xmlns:a16="http://schemas.microsoft.com/office/drawing/2014/main" id="{4951A154-8820-4894-BE02-64827B529BCA}"/>
+                </a:ext>
+              </a:extLst>
+            </p:cNvPr>
+            <p:cNvCxnSpPr>
+              <a:cxnSpLocks/>
+              <a:stCxn id="8" idx="2"/>
+              <a:endCxn id="9" idx="0"/>
+            </p:cNvCxnSpPr>
+            <p:nvPr/>
+          </p:nvCxnSpPr>
+          <p:spPr>
+            <a:xfrm>
+              <a:off x="3793382" y="3870088"/>
+              <a:ext cx="0" cy="393877"/>
+            </a:xfrm>
+            <a:prstGeom prst="straightConnector1">
+              <a:avLst/>
+            </a:prstGeom>
+            <a:ln>
+              <a:tailEnd type="triangle"/>
+            </a:ln>
+          </p:spPr>
+          <p:style>
+            <a:lnRef idx="1">
+              <a:schemeClr val="accent1"/>
+            </a:lnRef>
+            <a:fillRef idx="0">
+              <a:schemeClr val="accent1"/>
+            </a:fillRef>
+            <a:effectRef idx="0">
+              <a:schemeClr val="accent1"/>
+            </a:effectRef>
+            <a:fontRef idx="minor">
+              <a:schemeClr val="tx1"/>
+            </a:fontRef>
+          </p:style>
+        </p:cxnSp>
+        <p:sp>
+          <p:nvSpPr>
+            <p:cNvPr id="39" name="TextBox 38">
+              <a:extLst>
+                <a:ext uri="{FF2B5EF4-FFF2-40B4-BE49-F238E27FC236}">
+                  <a16:creationId xmlns:a16="http://schemas.microsoft.com/office/drawing/2014/main" id="{3F6CEF75-0B11-4533-BD2C-74377980E0F4}"/>
+                </a:ext>
+              </a:extLst>
+            </p:cNvPr>
+            <p:cNvSpPr txBox="1"/>
+            <p:nvPr/>
+          </p:nvSpPr>
+          <p:spPr>
+            <a:xfrm>
+              <a:off x="3882180" y="1967367"/>
+              <a:ext cx="1466022" cy="261610"/>
+            </a:xfrm>
+            <a:prstGeom prst="rect">
+              <a:avLst/>
+            </a:prstGeom>
+            <a:noFill/>
+          </p:spPr>
+          <p:txBody>
+            <a:bodyPr wrap="square" rtlCol="0">
+              <a:spAutoFit/>
+            </a:bodyPr>
+            <a:lstStyle/>
+            <a:p>
+              <a:r>
+                <a:rPr lang="en-US" sz="1100" dirty="0"/>
+                <a:t>Significant genes + TFs</a:t>
+              </a:r>
+            </a:p>
+          </p:txBody>
+        </p:sp>
+        <p:sp>
+          <p:nvSpPr>
+            <p:cNvPr id="40" name="TextBox 39">
+              <a:extLst>
+                <a:ext uri="{FF2B5EF4-FFF2-40B4-BE49-F238E27FC236}">
+                  <a16:creationId xmlns:a16="http://schemas.microsoft.com/office/drawing/2014/main" id="{66EDA797-FD96-49D1-9CBA-6BDBD4769169}"/>
+                </a:ext>
+              </a:extLst>
+            </p:cNvPr>
+            <p:cNvSpPr txBox="1"/>
+            <p:nvPr/>
+          </p:nvSpPr>
+          <p:spPr>
+            <a:xfrm>
+              <a:off x="3882180" y="2923746"/>
+              <a:ext cx="1466022" cy="261610"/>
+            </a:xfrm>
+            <a:prstGeom prst="rect">
+              <a:avLst/>
+            </a:prstGeom>
+            <a:noFill/>
+          </p:spPr>
+          <p:txBody>
+            <a:bodyPr wrap="square" rtlCol="0">
+              <a:spAutoFit/>
+            </a:bodyPr>
+            <a:lstStyle/>
+            <a:p>
+              <a:r>
+                <a:rPr lang="en-US" sz="1100" dirty="0" err="1"/>
+                <a:t>miRsig</a:t>
+              </a:r>
+              <a:endParaRPr lang="en-US" sz="1100" dirty="0"/>
+            </a:p>
+          </p:txBody>
+        </p:sp>
+        <p:sp>
+          <p:nvSpPr>
+            <p:cNvPr id="50" name="Arc 49">
+              <a:extLst>
+                <a:ext uri="{FF2B5EF4-FFF2-40B4-BE49-F238E27FC236}">
+                  <a16:creationId xmlns:a16="http://schemas.microsoft.com/office/drawing/2014/main" id="{744B465D-01BA-48F5-9863-CAEB872B445B}"/>
+                </a:ext>
+              </a:extLst>
+            </p:cNvPr>
+            <p:cNvSpPr/>
+            <p:nvPr/>
+          </p:nvSpPr>
+          <p:spPr>
+            <a:xfrm flipH="1">
+              <a:off x="3792645" y="2098172"/>
+              <a:ext cx="220980" cy="150495"/>
+            </a:xfrm>
+            <a:prstGeom prst="arc">
+              <a:avLst>
+                <a:gd name="adj1" fmla="val 14220138"/>
+                <a:gd name="adj2" fmla="val 0"/>
+              </a:avLst>
+            </a:prstGeom>
+          </p:spPr>
+          <p:style>
+            <a:lnRef idx="1">
+              <a:schemeClr val="accent1"/>
+            </a:lnRef>
+            <a:fillRef idx="0">
+              <a:schemeClr val="accent1"/>
+            </a:fillRef>
+            <a:effectRef idx="0">
+              <a:schemeClr val="accent1"/>
+            </a:effectRef>
+            <a:fontRef idx="minor">
+              <a:schemeClr val="tx1"/>
+            </a:fontRef>
+          </p:style>
+          <p:txBody>
+            <a:bodyPr rtlCol="0" anchor="ctr"/>
+            <a:lstStyle/>
+            <a:p>
+              <a:pPr algn="ctr"/>
+              <a:endParaRPr lang="en-US"/>
+            </a:p>
+          </p:txBody>
+        </p:sp>
+        <p:sp>
+          <p:nvSpPr>
+            <p:cNvPr id="51" name="Arc 50">
+              <a:extLst>
+                <a:ext uri="{FF2B5EF4-FFF2-40B4-BE49-F238E27FC236}">
+                  <a16:creationId xmlns:a16="http://schemas.microsoft.com/office/drawing/2014/main" id="{812F698D-2004-4460-96AF-F8BB588B372A}"/>
+                </a:ext>
+              </a:extLst>
+            </p:cNvPr>
+            <p:cNvSpPr/>
+            <p:nvPr/>
+          </p:nvSpPr>
+          <p:spPr>
+            <a:xfrm flipH="1">
+              <a:off x="3792645" y="3054551"/>
+              <a:ext cx="220980" cy="150495"/>
+            </a:xfrm>
+            <a:prstGeom prst="arc">
+              <a:avLst>
+                <a:gd name="adj1" fmla="val 14220138"/>
+                <a:gd name="adj2" fmla="val 0"/>
+              </a:avLst>
+            </a:prstGeom>
+          </p:spPr>
+          <p:style>
+            <a:lnRef idx="1">
+              <a:schemeClr val="accent1"/>
+            </a:lnRef>
+            <a:fillRef idx="0">
+              <a:schemeClr val="accent1"/>
+            </a:fillRef>
+            <a:effectRef idx="0">
+              <a:schemeClr val="accent1"/>
+            </a:effectRef>
+            <a:fontRef idx="minor">
+              <a:schemeClr val="tx1"/>
+            </a:fontRef>
+          </p:style>
+          <p:txBody>
+            <a:bodyPr rtlCol="0" anchor="ctr"/>
+            <a:lstStyle/>
+            <a:p>
+              <a:pPr algn="ctr"/>
+              <a:endParaRPr lang="en-US"/>
+            </a:p>
+          </p:txBody>
+        </p:sp>
+      </p:grpSp>
+    </p:spTree>
+    <p:extLst>
+      <p:ext uri="{BB962C8B-B14F-4D97-AF65-F5344CB8AC3E}">
+        <p14:creationId xmlns:p14="http://schemas.microsoft.com/office/powerpoint/2010/main" val="2664673285"/>
+      </p:ext>
+    </p:extLst>
+  </p:cSld>
+  <p:clrMapOvr>
+    <a:masterClrMapping/>
+  </p:clrMapOvr>
+</p:sld>
+</file>
+
 <file path=ppt/theme/theme1.xml><?xml version="1.0" encoding="utf-8"?>
 <a:theme xmlns:a="http://schemas.openxmlformats.org/drawingml/2006/main" name="Office Theme">
   <a:themeElements>
